--- a/Presentation - Dromund Kaas-II.pptx
+++ b/Presentation - Dromund Kaas-II.pptx
@@ -3153,7 +3153,7 @@
         <p:spPr>
           <a:xfrm>
             <a:off x="1187624" y="4869160"/>
-            <a:ext cx="7183248" cy="553998"/>
+            <a:ext cx="7269811" cy="553998"/>
           </a:xfrm>
           <a:prstGeom prst="rect">
             <a:avLst/>
@@ -3172,7 +3172,15 @@
                   <a:srgbClr val="002060"/>
                 </a:solidFill>
               </a:rPr>
-              <a:t>https://github.com/yasvisu/Dromund-Kaas-II</a:t>
+              <a:t>https://</a:t>
+            </a:r>
+            <a:r>
+              <a:rPr lang="en-US" sz="3000" smtClean="0">
+                <a:solidFill>
+                  <a:srgbClr val="002060"/>
+                </a:solidFill>
+              </a:rPr>
+              <a:t>github.com/yasvisu/Dromund-Kaas-II</a:t>
             </a:r>
             <a:endParaRPr lang="en-US" sz="3000" dirty="0">
               <a:solidFill>
@@ -3241,13 +3249,7 @@
               <a:rPr lang="en-US" sz="4800" u="sng" smtClean="0">
                 <a:latin typeface="AR DARLING" pitchFamily="2" charset="0"/>
               </a:rPr>
-              <a:t>and </a:t>
-            </a:r>
-            <a:r>
-              <a:rPr lang="en-US" sz="4800" u="sng" smtClean="0">
-                <a:latin typeface="AR DARLING" pitchFamily="2" charset="0"/>
-              </a:rPr>
-              <a:t>Contributions:</a:t>
+              <a:t>and Contributions:</a:t>
             </a:r>
             <a:endParaRPr lang="en-US" sz="4800" u="sng" dirty="0">
               <a:latin typeface="AR DARLING" pitchFamily="2" charset="0"/>
@@ -3290,11 +3292,7 @@
             <a:pPr lvl="1"/>
             <a:r>
               <a:rPr lang="en-US" smtClean="0"/>
-              <a:t>Graphics, Tools</a:t>
-            </a:r>
-            <a:r>
-              <a:rPr lang="en-US" smtClean="0"/>
-              <a:t>;</a:t>
+              <a:t>Graphics, Tools;</a:t>
             </a:r>
             <a:endParaRPr lang="en-US" dirty="0" smtClean="0"/>
           </a:p>
